--- a/presentation/Week3_presentation.pptx
+++ b/presentation/Week3_presentation.pptx
@@ -110,6 +110,11 @@
       </a:defRPr>
     </a:lvl9pPr>
   </p:defaultTextStyle>
+  <p:extLst>
+    <p:ext uri="{EFAFB233-063F-42B5-8137-9DF3F51BA10A}">
+      <p15:sldGuideLst xmlns:p15="http://schemas.microsoft.com/office/powerpoint/2012/main"/>
+    </p:ext>
+  </p:extLst>
 </p:presentation>
 </file>
 
@@ -30962,7 +30967,9 @@
         </p:nvSpPr>
         <p:spPr/>
         <p:txBody>
-          <a:bodyPr/>
+          <a:bodyPr>
+            <a:normAutofit fontScale="70000" lnSpcReduction="20000"/>
+          </a:bodyPr>
           <a:lstStyle/>
           <a:p>
             <a:r>
@@ -31011,6 +31018,135 @@
               <a:rPr lang="en-US" dirty="0"/>
               <a:t> and typescript users to use the package as intended.</a:t>
             </a:r>
+          </a:p>
+          <a:p>
+            <a:r>
+              <a:rPr lang="en-US" dirty="0"/>
+              <a:t> sidenote: typescript can compile into any desired version of </a:t>
+            </a:r>
+            <a:r>
+              <a:rPr lang="en-US" dirty="0" err="1"/>
+              <a:t>javascript</a:t>
+            </a:r>
+            <a:r>
+              <a:rPr lang="en-US" dirty="0"/>
+              <a:t>. So if you want to use the es2019</a:t>
+            </a:r>
+            <a:br>
+              <a:rPr lang="en-US" dirty="0"/>
+            </a:br>
+            <a:r>
+              <a:rPr lang="en-GB" dirty="0">
+                <a:solidFill>
+                  <a:srgbClr val="1F1C1B"/>
+                </a:solidFill>
+                <a:effectLst/>
+              </a:rPr>
+              <a:t>&gt; '</a:t>
+            </a:r>
+            <a:r>
+              <a:rPr lang="en-GB" dirty="0" err="1">
+                <a:solidFill>
+                  <a:srgbClr val="1F1C1B"/>
+                </a:solidFill>
+                <a:effectLst/>
+              </a:rPr>
+              <a:t>abbbaab</a:t>
+            </a:r>
+            <a:r>
+              <a:rPr lang="en-GB" dirty="0">
+                <a:solidFill>
+                  <a:srgbClr val="1F1C1B"/>
+                </a:solidFill>
+                <a:effectLst/>
+              </a:rPr>
+              <a:t>'.</a:t>
+            </a:r>
+            <a:r>
+              <a:rPr lang="en-GB" dirty="0" err="1">
+                <a:solidFill>
+                  <a:srgbClr val="1F1C1B"/>
+                </a:solidFill>
+                <a:effectLst/>
+              </a:rPr>
+              <a:t>replaceAll</a:t>
+            </a:r>
+            <a:r>
+              <a:rPr lang="en-GB" dirty="0">
+                <a:solidFill>
+                  <a:srgbClr val="1F1C1B"/>
+                </a:solidFill>
+                <a:effectLst/>
+              </a:rPr>
+              <a:t>('b', 'x’)</a:t>
+            </a:r>
+            <a:r>
+              <a:rPr lang="en-GB" dirty="0"/>
+              <a:t> //</a:t>
+            </a:r>
+            <a:r>
+              <a:rPr lang="en-GB" b="1" dirty="0">
+                <a:solidFill>
+                  <a:srgbClr val="1F1C1B"/>
+                </a:solidFill>
+                <a:effectLst/>
+              </a:rPr>
+              <a:t>'</a:t>
+            </a:r>
+            <a:r>
+              <a:rPr lang="en-GB" b="1" dirty="0" err="1">
+                <a:solidFill>
+                  <a:srgbClr val="1F1C1B"/>
+                </a:solidFill>
+                <a:effectLst/>
+              </a:rPr>
+              <a:t>axxxaax</a:t>
+            </a:r>
+            <a:r>
+              <a:rPr lang="en-GB" b="1" dirty="0">
+                <a:solidFill>
+                  <a:srgbClr val="1F1C1B"/>
+                </a:solidFill>
+                <a:effectLst/>
+              </a:rPr>
+              <a:t>’</a:t>
+            </a:r>
+            <a:br>
+              <a:rPr lang="en-GB" b="1" dirty="0">
+                <a:solidFill>
+                  <a:srgbClr val="1F1C1B"/>
+                </a:solidFill>
+                <a:effectLst/>
+              </a:rPr>
+            </a:br>
+            <a:r>
+              <a:rPr lang="en-GB" dirty="0">
+                <a:solidFill>
+                  <a:srgbClr val="1F1C1B"/>
+                </a:solidFill>
+                <a:effectLst/>
+              </a:rPr>
+              <a:t>method typescript could compile this to es5 to be compatible with all browsers not just ones that support the newest </a:t>
+            </a:r>
+            <a:r>
+              <a:rPr lang="en-GB" dirty="0" err="1">
+                <a:solidFill>
+                  <a:srgbClr val="1F1C1B"/>
+                </a:solidFill>
+                <a:effectLst/>
+              </a:rPr>
+              <a:t>js</a:t>
+            </a:r>
+            <a:r>
+              <a:rPr lang="en-GB" dirty="0">
+                <a:solidFill>
+                  <a:srgbClr val="1F1C1B"/>
+                </a:solidFill>
+                <a:effectLst/>
+              </a:rPr>
+              <a:t> versions</a:t>
+            </a:r>
+            <a:endParaRPr lang="en-US" dirty="0"/>
           </a:p>
         </p:txBody>
       </p:sp>

--- a/presentation/Week3_presentation.pptx
+++ b/presentation/Week3_presentation.pptx
@@ -7,11 +7,13 @@
   <p:sldIdLst>
     <p:sldId id="256" r:id="rId2"/>
     <p:sldId id="257" r:id="rId3"/>
-    <p:sldId id="258" r:id="rId4"/>
-    <p:sldId id="259" r:id="rId5"/>
-    <p:sldId id="260" r:id="rId6"/>
-    <p:sldId id="261" r:id="rId7"/>
-    <p:sldId id="262" r:id="rId8"/>
+    <p:sldId id="263" r:id="rId4"/>
+    <p:sldId id="264" r:id="rId5"/>
+    <p:sldId id="258" r:id="rId6"/>
+    <p:sldId id="259" r:id="rId7"/>
+    <p:sldId id="260" r:id="rId8"/>
+    <p:sldId id="261" r:id="rId9"/>
+    <p:sldId id="262" r:id="rId10"/>
   </p:sldIdLst>
   <p:sldSz cx="12192000" cy="6858000"/>
   <p:notesSz cx="6858000" cy="9144000"/>
@@ -2134,7 +2136,7 @@
           </a:r>
           <a:r>
             <a:rPr lang="en-US" dirty="0"/>
-            <a:t> repo</a:t>
+            <a:t> repo (I have discussed different methods to do this with my employer)</a:t>
           </a:r>
         </a:p>
       </dgm:t>
@@ -2263,8 +2265,21 @@
       <dgm:prSet presAssocID="{B01321B9-17A4-4C4B-9F2D-F823518C224E}" presName="spacer" presStyleCnt="0"/>
       <dgm:spPr/>
     </dgm:pt>
+    <dgm:pt modelId="{A21BDFDF-2A5D-D646-BEF1-B508B615074C}" type="pres">
+      <dgm:prSet presAssocID="{A8499CDE-85AD-46B4-956C-E33BD87C94FB}" presName="parentText" presStyleLbl="node1" presStyleIdx="1" presStyleCnt="10">
+        <dgm:presLayoutVars>
+          <dgm:chMax val="0"/>
+          <dgm:bulletEnabled val="1"/>
+        </dgm:presLayoutVars>
+      </dgm:prSet>
+      <dgm:spPr/>
+    </dgm:pt>
+    <dgm:pt modelId="{979B2C22-C86B-B345-8A8F-D60EFE515F0B}" type="pres">
+      <dgm:prSet presAssocID="{4357656B-DBD8-4379-88B7-BEB3B1A48842}" presName="spacer" presStyleCnt="0"/>
+      <dgm:spPr/>
+    </dgm:pt>
     <dgm:pt modelId="{6DE340D1-530E-6E4B-98F8-26580E8F4BE4}" type="pres">
-      <dgm:prSet presAssocID="{74E7A813-7B67-BC43-8041-2B0A3B044A01}" presName="parentText" presStyleLbl="node1" presStyleIdx="1" presStyleCnt="10">
+      <dgm:prSet presAssocID="{74E7A813-7B67-BC43-8041-2B0A3B044A01}" presName="parentText" presStyleLbl="node1" presStyleIdx="2" presStyleCnt="10">
         <dgm:presLayoutVars>
           <dgm:chMax val="0"/>
           <dgm:bulletEnabled val="1"/>
@@ -2274,19 +2289,6 @@
     </dgm:pt>
     <dgm:pt modelId="{8056147D-F229-EE44-9A7F-7889560630C8}" type="pres">
       <dgm:prSet presAssocID="{6876E29C-47D1-C54D-9AE5-3046C8FCA77D}" presName="spacer" presStyleCnt="0"/>
-      <dgm:spPr/>
-    </dgm:pt>
-    <dgm:pt modelId="{A21BDFDF-2A5D-D646-BEF1-B508B615074C}" type="pres">
-      <dgm:prSet presAssocID="{A8499CDE-85AD-46B4-956C-E33BD87C94FB}" presName="parentText" presStyleLbl="node1" presStyleIdx="2" presStyleCnt="10">
-        <dgm:presLayoutVars>
-          <dgm:chMax val="0"/>
-          <dgm:bulletEnabled val="1"/>
-        </dgm:presLayoutVars>
-      </dgm:prSet>
-      <dgm:spPr/>
-    </dgm:pt>
-    <dgm:pt modelId="{979B2C22-C86B-B345-8A8F-D60EFE515F0B}" type="pres">
-      <dgm:prSet presAssocID="{4357656B-DBD8-4379-88B7-BEB3B1A48842}" presName="spacer" presStyleCnt="0"/>
       <dgm:spPr/>
     </dgm:pt>
     <dgm:pt modelId="{0BCEB795-9CFD-534B-8B69-8F1579C841A9}" type="pres">
@@ -2378,46 +2380,46 @@
     </dgm:pt>
   </dgm:ptLst>
   <dgm:cxnLst>
+    <dgm:cxn modelId="{9493340E-B144-704E-89EA-C2E4F99648B6}" type="presOf" srcId="{D1259E98-5DCE-4C6E-B44C-78564C2C5527}" destId="{92F97E59-D263-CA4C-8BBF-C9AFE5DD3FDB}" srcOrd="0" destOrd="0" presId="urn:microsoft.com/office/officeart/2005/8/layout/vList2"/>
     <dgm:cxn modelId="{48F96E24-3596-F04F-BF18-5415F43B2E48}" type="presOf" srcId="{6DC7814F-78CE-433A-B55D-38AA90962B43}" destId="{FFEC7BB1-F4C0-5341-B949-A631D197E7BE}" srcOrd="0" destOrd="0" presId="urn:microsoft.com/office/officeart/2005/8/layout/vList2"/>
-    <dgm:cxn modelId="{4338D124-991A-7840-B639-A6020D028223}" type="presOf" srcId="{45666AB9-05F1-4DF0-98A6-07BC0A0F79A1}" destId="{1C692248-5507-C842-942C-324668DF12B2}" srcOrd="0" destOrd="0" presId="urn:microsoft.com/office/officeart/2005/8/layout/vList2"/>
+    <dgm:cxn modelId="{2DA7CB24-2900-FF41-8203-B39524C9E0A0}" type="presOf" srcId="{84175F68-0D15-F640-A4E4-809F365D034E}" destId="{38931B1E-F2C3-4547-B269-9F538F57889A}" srcOrd="0" destOrd="0" presId="urn:microsoft.com/office/officeart/2005/8/layout/vList2"/>
     <dgm:cxn modelId="{0C69F327-19D6-4044-84FC-D1D8220437DF}" srcId="{6DC7814F-78CE-433A-B55D-38AA90962B43}" destId="{D1259E98-5DCE-4C6E-B44C-78564C2C5527}" srcOrd="9" destOrd="0" parTransId="{097C7CA1-E218-494B-8B86-C15FA0BA12F0}" sibTransId="{203A025B-A68A-4BE2-9C1F-16C943EDA0F7}"/>
-    <dgm:cxn modelId="{E41B473A-B6B3-D146-B4B1-81F9FB2E5972}" type="presOf" srcId="{FB6D6C14-9C92-6B46-926B-8AB864D30B40}" destId="{CEBF1562-48D8-1A45-BF77-F073E55D1049}" srcOrd="0" destOrd="0" presId="urn:microsoft.com/office/officeart/2005/8/layout/vList2"/>
-    <dgm:cxn modelId="{8F8EB640-91C3-4043-9BF8-D3E3BC08594A}" type="presOf" srcId="{0BE83ACE-4197-40C6-B31D-BD01B6FDC2BA}" destId="{F7EEE231-9DB4-C142-BD41-C41A171C465D}" srcOrd="0" destOrd="0" presId="urn:microsoft.com/office/officeart/2005/8/layout/vList2"/>
+    <dgm:cxn modelId="{7488A429-457C-654A-A508-F3F790041F6D}" type="presOf" srcId="{9A3FCDA1-11E2-4AA4-977C-7E622B97E85F}" destId="{0BCEB795-9CFD-534B-8B69-8F1579C841A9}" srcOrd="0" destOrd="0" presId="urn:microsoft.com/office/officeart/2005/8/layout/vList2"/>
+    <dgm:cxn modelId="{FC02AE3C-CF99-AB49-8DC9-7CDADDA6E767}" type="presOf" srcId="{74E7A813-7B67-BC43-8041-2B0A3B044A01}" destId="{6DE340D1-530E-6E4B-98F8-26580E8F4BE4}" srcOrd="0" destOrd="0" presId="urn:microsoft.com/office/officeart/2005/8/layout/vList2"/>
+    <dgm:cxn modelId="{9C28A949-F173-4F4E-887F-6330B5581EEF}" type="presOf" srcId="{FB6D6C14-9C92-6B46-926B-8AB864D30B40}" destId="{CEBF1562-48D8-1A45-BF77-F073E55D1049}" srcOrd="0" destOrd="0" presId="urn:microsoft.com/office/officeart/2005/8/layout/vList2"/>
     <dgm:cxn modelId="{21B9205B-B21B-E445-929F-ED3291F1F868}" srcId="{6DC7814F-78CE-433A-B55D-38AA90962B43}" destId="{FB6D6C14-9C92-6B46-926B-8AB864D30B40}" srcOrd="7" destOrd="0" parTransId="{BB565E00-29D2-DF4E-A3D3-476BBBECB9A8}" sibTransId="{83B25E9F-2292-6D4A-A065-BFBDC7B8665A}"/>
-    <dgm:cxn modelId="{207D895F-0CB5-EA43-963A-CE9A8C998AEF}" type="presOf" srcId="{74E7A813-7B67-BC43-8041-2B0A3B044A01}" destId="{6DE340D1-530E-6E4B-98F8-26580E8F4BE4}" srcOrd="0" destOrd="0" presId="urn:microsoft.com/office/officeart/2005/8/layout/vList2"/>
-    <dgm:cxn modelId="{9C469A68-D31B-5947-9766-A56EF67D06BB}" type="presOf" srcId="{A8499CDE-85AD-46B4-956C-E33BD87C94FB}" destId="{A21BDFDF-2A5D-D646-BEF1-B508B615074C}" srcOrd="0" destOrd="0" presId="urn:microsoft.com/office/officeart/2005/8/layout/vList2"/>
     <dgm:cxn modelId="{39CF5486-D3F8-4C39-B0D6-E664DC3F1631}" srcId="{6DC7814F-78CE-433A-B55D-38AA90962B43}" destId="{45666AB9-05F1-4DF0-98A6-07BC0A0F79A1}" srcOrd="4" destOrd="0" parTransId="{DDD6B5BF-B3E4-4F86-B917-FB1B7DDD8FE7}" sibTransId="{71D02513-4A7F-4D9E-9DC8-8326F7C885C2}"/>
-    <dgm:cxn modelId="{F9B2828C-3181-1548-95C0-3FF01C53C488}" type="presOf" srcId="{84175F68-0D15-F640-A4E4-809F365D034E}" destId="{38931B1E-F2C3-4547-B269-9F538F57889A}" srcOrd="0" destOrd="0" presId="urn:microsoft.com/office/officeart/2005/8/layout/vList2"/>
-    <dgm:cxn modelId="{43C3E08D-E5EF-3C4E-AF07-42A8E2853882}" type="presOf" srcId="{E02C67B7-7970-48C4-A157-3FF6A6A29281}" destId="{C83BF54A-A8EA-2E48-8959-965CBA823DA9}" srcOrd="0" destOrd="0" presId="urn:microsoft.com/office/officeart/2005/8/layout/vList2"/>
     <dgm:cxn modelId="{EF611FA6-81A0-45D7-B1E0-F69814C5CFBE}" srcId="{6DC7814F-78CE-433A-B55D-38AA90962B43}" destId="{E02C67B7-7970-48C4-A157-3FF6A6A29281}" srcOrd="6" destOrd="0" parTransId="{F65549EB-E00C-423D-84E8-16679FDCF712}" sibTransId="{4E00D97A-FD34-4E49-A36A-6A7643B84D66}"/>
-    <dgm:cxn modelId="{535E78B2-B83A-0C4D-B180-66B6A5412F0D}" srcId="{6DC7814F-78CE-433A-B55D-38AA90962B43}" destId="{74E7A813-7B67-BC43-8041-2B0A3B044A01}" srcOrd="1" destOrd="0" parTransId="{A854FD81-F80E-CC42-B129-781BCB3EDF82}" sibTransId="{6876E29C-47D1-C54D-9AE5-3046C8FCA77D}"/>
-    <dgm:cxn modelId="{7A5617B4-FC91-470F-B645-33B49FB9B1B9}" srcId="{6DC7814F-78CE-433A-B55D-38AA90962B43}" destId="{A8499CDE-85AD-46B4-956C-E33BD87C94FB}" srcOrd="2" destOrd="0" parTransId="{F9006B50-5D38-4318-B892-0A8F70216625}" sibTransId="{4357656B-DBD8-4379-88B7-BEB3B1A48842}"/>
-    <dgm:cxn modelId="{87B548BC-C322-7C4D-A476-84C81D70803F}" type="presOf" srcId="{D1259E98-5DCE-4C6E-B44C-78564C2C5527}" destId="{92F97E59-D263-CA4C-8BBF-C9AFE5DD3FDB}" srcOrd="0" destOrd="0" presId="urn:microsoft.com/office/officeart/2005/8/layout/vList2"/>
+    <dgm:cxn modelId="{73C5ABB1-3F4D-784F-91E4-28819C7C9383}" type="presOf" srcId="{0BE83ACE-4197-40C6-B31D-BD01B6FDC2BA}" destId="{F7EEE231-9DB4-C142-BD41-C41A171C465D}" srcOrd="0" destOrd="0" presId="urn:microsoft.com/office/officeart/2005/8/layout/vList2"/>
+    <dgm:cxn modelId="{535E78B2-B83A-0C4D-B180-66B6A5412F0D}" srcId="{6DC7814F-78CE-433A-B55D-38AA90962B43}" destId="{74E7A813-7B67-BC43-8041-2B0A3B044A01}" srcOrd="2" destOrd="0" parTransId="{A854FD81-F80E-CC42-B129-781BCB3EDF82}" sibTransId="{6876E29C-47D1-C54D-9AE5-3046C8FCA77D}"/>
+    <dgm:cxn modelId="{7A5617B4-FC91-470F-B645-33B49FB9B1B9}" srcId="{6DC7814F-78CE-433A-B55D-38AA90962B43}" destId="{A8499CDE-85AD-46B4-956C-E33BD87C94FB}" srcOrd="1" destOrd="0" parTransId="{F9006B50-5D38-4318-B892-0A8F70216625}" sibTransId="{4357656B-DBD8-4379-88B7-BEB3B1A48842}"/>
+    <dgm:cxn modelId="{85606CCF-7437-5444-850B-FD6B415F2EEA}" type="presOf" srcId="{A8499CDE-85AD-46B4-956C-E33BD87C94FB}" destId="{A21BDFDF-2A5D-D646-BEF1-B508B615074C}" srcOrd="0" destOrd="0" presId="urn:microsoft.com/office/officeart/2005/8/layout/vList2"/>
     <dgm:cxn modelId="{CEC180DD-6F25-4E88-A4F0-15DE4A25286B}" srcId="{6DC7814F-78CE-433A-B55D-38AA90962B43}" destId="{9A3FCDA1-11E2-4AA4-977C-7E622B97E85F}" srcOrd="3" destOrd="0" parTransId="{19EC6A11-D99A-46E0-AC19-5EEC545DBE05}" sibTransId="{A590542F-9513-419B-90C9-BAFF84409146}"/>
-    <dgm:cxn modelId="{50C3CEDD-748E-8446-8C2D-66D77D6580DA}" type="presOf" srcId="{DA70D579-E358-4DA0-BD65-5A838CB306A1}" destId="{12B7C379-3A4A-E94D-A1E1-2858619D4641}" srcOrd="0" destOrd="0" presId="urn:microsoft.com/office/officeart/2005/8/layout/vList2"/>
+    <dgm:cxn modelId="{123C4EE8-5B5D-6D4A-A9CC-78245F11AFBF}" type="presOf" srcId="{E02C67B7-7970-48C4-A157-3FF6A6A29281}" destId="{C83BF54A-A8EA-2E48-8959-965CBA823DA9}" srcOrd="0" destOrd="0" presId="urn:microsoft.com/office/officeart/2005/8/layout/vList2"/>
+    <dgm:cxn modelId="{A58BA7EB-F353-6948-B751-E11755480796}" type="presOf" srcId="{45666AB9-05F1-4DF0-98A6-07BC0A0F79A1}" destId="{1C692248-5507-C842-942C-324668DF12B2}" srcOrd="0" destOrd="0" presId="urn:microsoft.com/office/officeart/2005/8/layout/vList2"/>
     <dgm:cxn modelId="{245C0DF0-3474-A14F-9C93-DF936C41B30F}" srcId="{6DC7814F-78CE-433A-B55D-38AA90962B43}" destId="{84175F68-0D15-F640-A4E4-809F365D034E}" srcOrd="0" destOrd="0" parTransId="{84E30F58-1C26-C046-8F5C-FCFC1D11083F}" sibTransId="{B01321B9-17A4-4C4B-9F2D-F823518C224E}"/>
     <dgm:cxn modelId="{5FC3AEF0-8853-4432-9077-2561985D5F2E}" srcId="{6DC7814F-78CE-433A-B55D-38AA90962B43}" destId="{DA70D579-E358-4DA0-BD65-5A838CB306A1}" srcOrd="5" destOrd="0" parTransId="{C6A972C4-0395-4B4E-A894-3FA434178B75}" sibTransId="{A2F7DC90-02A0-4102-B998-409E5670E9FF}"/>
     <dgm:cxn modelId="{45CEC8F2-D4D5-40AB-83DE-10DEDE03EDDE}" srcId="{6DC7814F-78CE-433A-B55D-38AA90962B43}" destId="{0BE83ACE-4197-40C6-B31D-BD01B6FDC2BA}" srcOrd="8" destOrd="0" parTransId="{3B19D063-62EB-4825-8CEE-FE772470DB29}" sibTransId="{7863F214-8339-41B7-8034-03E9ECB57F05}"/>
-    <dgm:cxn modelId="{050860F4-3722-8041-B765-1A4A55F774A4}" type="presOf" srcId="{9A3FCDA1-11E2-4AA4-977C-7E622B97E85F}" destId="{0BCEB795-9CFD-534B-8B69-8F1579C841A9}" srcOrd="0" destOrd="0" presId="urn:microsoft.com/office/officeart/2005/8/layout/vList2"/>
-    <dgm:cxn modelId="{2B278373-EEC3-B047-9FBA-A157409C0FBE}" type="presParOf" srcId="{FFEC7BB1-F4C0-5341-B949-A631D197E7BE}" destId="{38931B1E-F2C3-4547-B269-9F538F57889A}" srcOrd="0" destOrd="0" presId="urn:microsoft.com/office/officeart/2005/8/layout/vList2"/>
-    <dgm:cxn modelId="{5EEFE2D6-67A9-C546-B0DF-4AF5C5374661}" type="presParOf" srcId="{FFEC7BB1-F4C0-5341-B949-A631D197E7BE}" destId="{E0D385BD-7D28-D945-81F8-3BDD93DA429D}" srcOrd="1" destOrd="0" presId="urn:microsoft.com/office/officeart/2005/8/layout/vList2"/>
-    <dgm:cxn modelId="{DB7D0930-B724-074F-88D6-403BBADCD9D3}" type="presParOf" srcId="{FFEC7BB1-F4C0-5341-B949-A631D197E7BE}" destId="{6DE340D1-530E-6E4B-98F8-26580E8F4BE4}" srcOrd="2" destOrd="0" presId="urn:microsoft.com/office/officeart/2005/8/layout/vList2"/>
-    <dgm:cxn modelId="{F1E93619-64C7-C24E-BF5A-A78D2F1D12A2}" type="presParOf" srcId="{FFEC7BB1-F4C0-5341-B949-A631D197E7BE}" destId="{8056147D-F229-EE44-9A7F-7889560630C8}" srcOrd="3" destOrd="0" presId="urn:microsoft.com/office/officeart/2005/8/layout/vList2"/>
-    <dgm:cxn modelId="{F3042299-352F-0144-AE74-DB17F6651C11}" type="presParOf" srcId="{FFEC7BB1-F4C0-5341-B949-A631D197E7BE}" destId="{A21BDFDF-2A5D-D646-BEF1-B508B615074C}" srcOrd="4" destOrd="0" presId="urn:microsoft.com/office/officeart/2005/8/layout/vList2"/>
-    <dgm:cxn modelId="{358EFBDF-9FC6-5B4C-AA17-CB87B96FA671}" type="presParOf" srcId="{FFEC7BB1-F4C0-5341-B949-A631D197E7BE}" destId="{979B2C22-C86B-B345-8A8F-D60EFE515F0B}" srcOrd="5" destOrd="0" presId="urn:microsoft.com/office/officeart/2005/8/layout/vList2"/>
-    <dgm:cxn modelId="{A5CEFCFC-E1AF-CA4F-A294-CE77B5511133}" type="presParOf" srcId="{FFEC7BB1-F4C0-5341-B949-A631D197E7BE}" destId="{0BCEB795-9CFD-534B-8B69-8F1579C841A9}" srcOrd="6" destOrd="0" presId="urn:microsoft.com/office/officeart/2005/8/layout/vList2"/>
-    <dgm:cxn modelId="{0BA5A035-7012-EF4A-B4E4-A0996C9D5506}" type="presParOf" srcId="{FFEC7BB1-F4C0-5341-B949-A631D197E7BE}" destId="{D14B79FE-A41F-BF4E-9129-D75DE3BD3EC2}" srcOrd="7" destOrd="0" presId="urn:microsoft.com/office/officeart/2005/8/layout/vList2"/>
-    <dgm:cxn modelId="{610B33CE-C196-9542-B1EB-3BB162CA3286}" type="presParOf" srcId="{FFEC7BB1-F4C0-5341-B949-A631D197E7BE}" destId="{1C692248-5507-C842-942C-324668DF12B2}" srcOrd="8" destOrd="0" presId="urn:microsoft.com/office/officeart/2005/8/layout/vList2"/>
-    <dgm:cxn modelId="{56C508B0-AFC0-4F4A-A20A-49F6FAFD4574}" type="presParOf" srcId="{FFEC7BB1-F4C0-5341-B949-A631D197E7BE}" destId="{D7E21C8C-D8EE-5546-810C-E2722C2EE54B}" srcOrd="9" destOrd="0" presId="urn:microsoft.com/office/officeart/2005/8/layout/vList2"/>
-    <dgm:cxn modelId="{88D3EB93-FDDC-2344-97C6-0A0E532655DD}" type="presParOf" srcId="{FFEC7BB1-F4C0-5341-B949-A631D197E7BE}" destId="{12B7C379-3A4A-E94D-A1E1-2858619D4641}" srcOrd="10" destOrd="0" presId="urn:microsoft.com/office/officeart/2005/8/layout/vList2"/>
-    <dgm:cxn modelId="{FE1C16E5-827C-0D4D-BFE6-5F2FA228B674}" type="presParOf" srcId="{FFEC7BB1-F4C0-5341-B949-A631D197E7BE}" destId="{774674B2-0C8E-1544-A234-817EF2DAF0FB}" srcOrd="11" destOrd="0" presId="urn:microsoft.com/office/officeart/2005/8/layout/vList2"/>
-    <dgm:cxn modelId="{04404721-B24F-D649-8480-54C36811322F}" type="presParOf" srcId="{FFEC7BB1-F4C0-5341-B949-A631D197E7BE}" destId="{C83BF54A-A8EA-2E48-8959-965CBA823DA9}" srcOrd="12" destOrd="0" presId="urn:microsoft.com/office/officeart/2005/8/layout/vList2"/>
-    <dgm:cxn modelId="{A0621E79-28D1-AA47-9CB9-24218D3E6CEB}" type="presParOf" srcId="{FFEC7BB1-F4C0-5341-B949-A631D197E7BE}" destId="{290A5D9C-337D-CE48-9D22-506360E498C6}" srcOrd="13" destOrd="0" presId="urn:microsoft.com/office/officeart/2005/8/layout/vList2"/>
-    <dgm:cxn modelId="{845F5580-C83D-F14A-A5FA-87F0E516ED04}" type="presParOf" srcId="{FFEC7BB1-F4C0-5341-B949-A631D197E7BE}" destId="{CEBF1562-48D8-1A45-BF77-F073E55D1049}" srcOrd="14" destOrd="0" presId="urn:microsoft.com/office/officeart/2005/8/layout/vList2"/>
-    <dgm:cxn modelId="{907D227C-BD5C-C54D-9E94-F4ECFA2CBFEE}" type="presParOf" srcId="{FFEC7BB1-F4C0-5341-B949-A631D197E7BE}" destId="{4A737D31-1B57-754D-835B-11EC37F06810}" srcOrd="15" destOrd="0" presId="urn:microsoft.com/office/officeart/2005/8/layout/vList2"/>
-    <dgm:cxn modelId="{C005623B-B995-A04D-9D2D-4C1E15C1DB71}" type="presParOf" srcId="{FFEC7BB1-F4C0-5341-B949-A631D197E7BE}" destId="{F7EEE231-9DB4-C142-BD41-C41A171C465D}" srcOrd="16" destOrd="0" presId="urn:microsoft.com/office/officeart/2005/8/layout/vList2"/>
-    <dgm:cxn modelId="{091180BA-CFA0-0849-9705-0C4318714BB6}" type="presParOf" srcId="{FFEC7BB1-F4C0-5341-B949-A631D197E7BE}" destId="{A41B9897-F4C8-C64E-8ED9-0A2590F73F76}" srcOrd="17" destOrd="0" presId="urn:microsoft.com/office/officeart/2005/8/layout/vList2"/>
-    <dgm:cxn modelId="{2753CE85-DA59-0B4E-BDAC-3F813C705CD6}" type="presParOf" srcId="{FFEC7BB1-F4C0-5341-B949-A631D197E7BE}" destId="{92F97E59-D263-CA4C-8BBF-C9AFE5DD3FDB}" srcOrd="18" destOrd="0" presId="urn:microsoft.com/office/officeart/2005/8/layout/vList2"/>
+    <dgm:cxn modelId="{5E1AF9F6-CA4E-C640-862A-6006C37A6D66}" type="presOf" srcId="{DA70D579-E358-4DA0-BD65-5A838CB306A1}" destId="{12B7C379-3A4A-E94D-A1E1-2858619D4641}" srcOrd="0" destOrd="0" presId="urn:microsoft.com/office/officeart/2005/8/layout/vList2"/>
+    <dgm:cxn modelId="{3107B689-F539-ED4E-B172-6D1390EA2F2A}" type="presParOf" srcId="{FFEC7BB1-F4C0-5341-B949-A631D197E7BE}" destId="{38931B1E-F2C3-4547-B269-9F538F57889A}" srcOrd="0" destOrd="0" presId="urn:microsoft.com/office/officeart/2005/8/layout/vList2"/>
+    <dgm:cxn modelId="{D9B73393-67E2-2F4D-A7EC-6E49F2B1FF5A}" type="presParOf" srcId="{FFEC7BB1-F4C0-5341-B949-A631D197E7BE}" destId="{E0D385BD-7D28-D945-81F8-3BDD93DA429D}" srcOrd="1" destOrd="0" presId="urn:microsoft.com/office/officeart/2005/8/layout/vList2"/>
+    <dgm:cxn modelId="{6BBD5F32-5AE5-D94B-958E-3CBCB8AF932D}" type="presParOf" srcId="{FFEC7BB1-F4C0-5341-B949-A631D197E7BE}" destId="{A21BDFDF-2A5D-D646-BEF1-B508B615074C}" srcOrd="2" destOrd="0" presId="urn:microsoft.com/office/officeart/2005/8/layout/vList2"/>
+    <dgm:cxn modelId="{EBFC7CCD-6BC7-5140-8FDD-D5CDB9172AA3}" type="presParOf" srcId="{FFEC7BB1-F4C0-5341-B949-A631D197E7BE}" destId="{979B2C22-C86B-B345-8A8F-D60EFE515F0B}" srcOrd="3" destOrd="0" presId="urn:microsoft.com/office/officeart/2005/8/layout/vList2"/>
+    <dgm:cxn modelId="{6CCB0CB3-9343-D848-BD64-15E7EB7D7682}" type="presParOf" srcId="{FFEC7BB1-F4C0-5341-B949-A631D197E7BE}" destId="{6DE340D1-530E-6E4B-98F8-26580E8F4BE4}" srcOrd="4" destOrd="0" presId="urn:microsoft.com/office/officeart/2005/8/layout/vList2"/>
+    <dgm:cxn modelId="{52C69505-929F-9240-B3AD-19ECFB6D069F}" type="presParOf" srcId="{FFEC7BB1-F4C0-5341-B949-A631D197E7BE}" destId="{8056147D-F229-EE44-9A7F-7889560630C8}" srcOrd="5" destOrd="0" presId="urn:microsoft.com/office/officeart/2005/8/layout/vList2"/>
+    <dgm:cxn modelId="{8BF7F2BA-FAB4-1B4F-9AD6-DFE668A0BBF0}" type="presParOf" srcId="{FFEC7BB1-F4C0-5341-B949-A631D197E7BE}" destId="{0BCEB795-9CFD-534B-8B69-8F1579C841A9}" srcOrd="6" destOrd="0" presId="urn:microsoft.com/office/officeart/2005/8/layout/vList2"/>
+    <dgm:cxn modelId="{DCE05B6E-3C61-FD49-8DE1-E3AD4EA66E83}" type="presParOf" srcId="{FFEC7BB1-F4C0-5341-B949-A631D197E7BE}" destId="{D14B79FE-A41F-BF4E-9129-D75DE3BD3EC2}" srcOrd="7" destOrd="0" presId="urn:microsoft.com/office/officeart/2005/8/layout/vList2"/>
+    <dgm:cxn modelId="{D3BCCCD5-BCDC-A445-B77F-C862AAE2CBD2}" type="presParOf" srcId="{FFEC7BB1-F4C0-5341-B949-A631D197E7BE}" destId="{1C692248-5507-C842-942C-324668DF12B2}" srcOrd="8" destOrd="0" presId="urn:microsoft.com/office/officeart/2005/8/layout/vList2"/>
+    <dgm:cxn modelId="{CFF381D6-EA69-9C4E-8E81-55674764A1FB}" type="presParOf" srcId="{FFEC7BB1-F4C0-5341-B949-A631D197E7BE}" destId="{D7E21C8C-D8EE-5546-810C-E2722C2EE54B}" srcOrd="9" destOrd="0" presId="urn:microsoft.com/office/officeart/2005/8/layout/vList2"/>
+    <dgm:cxn modelId="{0125A977-3692-464F-8D54-EF4423DAA90D}" type="presParOf" srcId="{FFEC7BB1-F4C0-5341-B949-A631D197E7BE}" destId="{12B7C379-3A4A-E94D-A1E1-2858619D4641}" srcOrd="10" destOrd="0" presId="urn:microsoft.com/office/officeart/2005/8/layout/vList2"/>
+    <dgm:cxn modelId="{A6717EA6-0C4A-9946-88BB-4B0F7A9D25A6}" type="presParOf" srcId="{FFEC7BB1-F4C0-5341-B949-A631D197E7BE}" destId="{774674B2-0C8E-1544-A234-817EF2DAF0FB}" srcOrd="11" destOrd="0" presId="urn:microsoft.com/office/officeart/2005/8/layout/vList2"/>
+    <dgm:cxn modelId="{48770A85-9CFD-7F41-A5D6-B4A908B8BA9B}" type="presParOf" srcId="{FFEC7BB1-F4C0-5341-B949-A631D197E7BE}" destId="{C83BF54A-A8EA-2E48-8959-965CBA823DA9}" srcOrd="12" destOrd="0" presId="urn:microsoft.com/office/officeart/2005/8/layout/vList2"/>
+    <dgm:cxn modelId="{3A21A0FA-935F-1B4C-BDA1-DD8B0D9FCA8E}" type="presParOf" srcId="{FFEC7BB1-F4C0-5341-B949-A631D197E7BE}" destId="{290A5D9C-337D-CE48-9D22-506360E498C6}" srcOrd="13" destOrd="0" presId="urn:microsoft.com/office/officeart/2005/8/layout/vList2"/>
+    <dgm:cxn modelId="{6B951036-E02E-824C-87CA-EA0805F4A3A4}" type="presParOf" srcId="{FFEC7BB1-F4C0-5341-B949-A631D197E7BE}" destId="{CEBF1562-48D8-1A45-BF77-F073E55D1049}" srcOrd="14" destOrd="0" presId="urn:microsoft.com/office/officeart/2005/8/layout/vList2"/>
+    <dgm:cxn modelId="{8EF6398A-E0F1-3640-B850-33F4A1DB8EA9}" type="presParOf" srcId="{FFEC7BB1-F4C0-5341-B949-A631D197E7BE}" destId="{4A737D31-1B57-754D-835B-11EC37F06810}" srcOrd="15" destOrd="0" presId="urn:microsoft.com/office/officeart/2005/8/layout/vList2"/>
+    <dgm:cxn modelId="{2E3F1F25-338F-8B4F-8AC0-748478071551}" type="presParOf" srcId="{FFEC7BB1-F4C0-5341-B949-A631D197E7BE}" destId="{F7EEE231-9DB4-C142-BD41-C41A171C465D}" srcOrd="16" destOrd="0" presId="urn:microsoft.com/office/officeart/2005/8/layout/vList2"/>
+    <dgm:cxn modelId="{B5464B82-C9C1-8040-B45B-8F9C86AFAD10}" type="presParOf" srcId="{FFEC7BB1-F4C0-5341-B949-A631D197E7BE}" destId="{A41B9897-F4C8-C64E-8ED9-0A2590F73F76}" srcOrd="17" destOrd="0" presId="urn:microsoft.com/office/officeart/2005/8/layout/vList2"/>
+    <dgm:cxn modelId="{81B6A239-6E6D-1841-BBD6-B20FC351FF39}" type="presParOf" srcId="{FFEC7BB1-F4C0-5341-B949-A631D197E7BE}" destId="{92F97E59-D263-CA4C-8BBF-C9AFE5DD3FDB}" srcOrd="18" destOrd="0" presId="urn:microsoft.com/office/officeart/2005/8/layout/vList2"/>
   </dgm:cxnLst>
   <dgm:bg/>
   <dgm:whole/>
@@ -2781,7 +2783,7 @@
           </a:r>
           <a:r>
             <a:rPr lang="en-US" sz="1200" kern="1200" dirty="0"/>
-            <a:t> repo</a:t>
+            <a:t> repo (I have discussed different methods to do this with my employer)</a:t>
           </a:r>
         </a:p>
       </dsp:txBody>
@@ -2790,7 +2792,7 @@
         <a:ext cx="10951934" cy="278723"/>
       </dsp:txXfrm>
     </dsp:sp>
-    <dsp:sp modelId="{6DE340D1-530E-6E4B-98F8-26580E8F4BE4}">
+    <dsp:sp modelId="{A21BDFDF-2A5D-D646-BEF1-B508B615074C}">
       <dsp:nvSpPr>
         <dsp:cNvPr id="0" name=""/>
         <dsp:cNvSpPr/>
@@ -2859,7 +2861,15 @@
           </a:pPr>
           <a:r>
             <a:rPr lang="en-US" sz="1200" kern="1200" dirty="0"/>
-            <a:t>Explore testing</a:t>
+            <a:t>overhauling ‘</a:t>
+          </a:r>
+          <a:r>
+            <a:rPr lang="en-US" sz="1200" kern="1200" dirty="0" err="1"/>
+            <a:t>uart.js</a:t>
+          </a:r>
+          <a:r>
+            <a:rPr lang="en-US" sz="1200" kern="1200" dirty="0"/>
+            <a:t>’ to better fit my needs.</a:t>
           </a:r>
         </a:p>
       </dsp:txBody>
@@ -2868,7 +2878,7 @@
         <a:ext cx="10951934" cy="278723"/>
       </dsp:txXfrm>
     </dsp:sp>
-    <dsp:sp modelId="{A21BDFDF-2A5D-D646-BEF1-B508B615074C}">
+    <dsp:sp modelId="{6DE340D1-530E-6E4B-98F8-26580E8F4BE4}">
       <dsp:nvSpPr>
         <dsp:cNvPr id="0" name=""/>
         <dsp:cNvSpPr/>
@@ -2937,15 +2947,7 @@
           </a:pPr>
           <a:r>
             <a:rPr lang="en-US" sz="1200" kern="1200" dirty="0"/>
-            <a:t>overhauling ‘</a:t>
-          </a:r>
-          <a:r>
-            <a:rPr lang="en-US" sz="1200" kern="1200" dirty="0" err="1"/>
-            <a:t>uart.js</a:t>
-          </a:r>
-          <a:r>
-            <a:rPr lang="en-US" sz="1200" kern="1200" dirty="0"/>
-            <a:t>’ to better fit my needs.</a:t>
+            <a:t>Explore testing</a:t>
           </a:r>
         </a:p>
       </dsp:txBody>
@@ -6536,7 +6538,7 @@
           <a:p>
             <a:fld id="{0DAF61AA-5A98-4049-A93E-477E5505141A}" type="datetimeFigureOut">
               <a:rPr lang="en-US" smtClean="0"/>
-              <a:t>10/4/22</a:t>
+              <a:t>10/5/22</a:t>
             </a:fld>
             <a:endParaRPr lang="en-US" dirty="0"/>
           </a:p>
@@ -6734,7 +6736,7 @@
           <a:p>
             <a:fld id="{0DAF61AA-5A98-4049-A93E-477E5505141A}" type="datetimeFigureOut">
               <a:rPr lang="en-US" smtClean="0"/>
-              <a:t>10/4/22</a:t>
+              <a:t>10/5/22</a:t>
             </a:fld>
             <a:endParaRPr lang="en-US"/>
           </a:p>
@@ -6942,7 +6944,7 @@
           <a:p>
             <a:fld id="{0DAF61AA-5A98-4049-A93E-477E5505141A}" type="datetimeFigureOut">
               <a:rPr lang="en-US" smtClean="0"/>
-              <a:t>10/4/22</a:t>
+              <a:t>10/5/22</a:t>
             </a:fld>
             <a:endParaRPr lang="en-US"/>
           </a:p>
@@ -7140,7 +7142,7 @@
           <a:p>
             <a:fld id="{0DAF61AA-5A98-4049-A93E-477E5505141A}" type="datetimeFigureOut">
               <a:rPr lang="en-US" smtClean="0"/>
-              <a:t>10/4/22</a:t>
+              <a:t>10/5/22</a:t>
             </a:fld>
             <a:endParaRPr lang="en-US"/>
           </a:p>
@@ -7415,7 +7417,7 @@
           <a:p>
             <a:fld id="{0DAF61AA-5A98-4049-A93E-477E5505141A}" type="datetimeFigureOut">
               <a:rPr lang="en-US" smtClean="0"/>
-              <a:t>10/4/22</a:t>
+              <a:t>10/5/22</a:t>
             </a:fld>
             <a:endParaRPr lang="en-US"/>
           </a:p>
@@ -7680,7 +7682,7 @@
           <a:p>
             <a:fld id="{0DAF61AA-5A98-4049-A93E-477E5505141A}" type="datetimeFigureOut">
               <a:rPr lang="en-US" smtClean="0"/>
-              <a:t>10/4/22</a:t>
+              <a:t>10/5/22</a:t>
             </a:fld>
             <a:endParaRPr lang="en-US"/>
           </a:p>
@@ -8092,7 +8094,7 @@
           <a:p>
             <a:fld id="{0DAF61AA-5A98-4049-A93E-477E5505141A}" type="datetimeFigureOut">
               <a:rPr lang="en-US" smtClean="0"/>
-              <a:t>10/4/22</a:t>
+              <a:t>10/5/22</a:t>
             </a:fld>
             <a:endParaRPr lang="en-US"/>
           </a:p>
@@ -8233,7 +8235,7 @@
           <a:p>
             <a:fld id="{0DAF61AA-5A98-4049-A93E-477E5505141A}" type="datetimeFigureOut">
               <a:rPr lang="en-US" smtClean="0"/>
-              <a:t>10/4/22</a:t>
+              <a:t>10/5/22</a:t>
             </a:fld>
             <a:endParaRPr lang="en-US"/>
           </a:p>
@@ -8346,7 +8348,7 @@
           <a:p>
             <a:fld id="{0DAF61AA-5A98-4049-A93E-477E5505141A}" type="datetimeFigureOut">
               <a:rPr lang="en-US" smtClean="0"/>
-              <a:t>10/4/22</a:t>
+              <a:t>10/5/22</a:t>
             </a:fld>
             <a:endParaRPr lang="en-US"/>
           </a:p>
@@ -8657,7 +8659,7 @@
           <a:p>
             <a:fld id="{0DAF61AA-5A98-4049-A93E-477E5505141A}" type="datetimeFigureOut">
               <a:rPr lang="en-US" smtClean="0"/>
-              <a:t>10/4/22</a:t>
+              <a:t>10/5/22</a:t>
             </a:fld>
             <a:endParaRPr lang="en-US"/>
           </a:p>
@@ -8948,7 +8950,7 @@
           <a:p>
             <a:fld id="{0DAF61AA-5A98-4049-A93E-477E5505141A}" type="datetimeFigureOut">
               <a:rPr lang="en-US" smtClean="0"/>
-              <a:t>10/4/22</a:t>
+              <a:t>10/5/22</a:t>
             </a:fld>
             <a:endParaRPr lang="en-US"/>
           </a:p>
@@ -12658,7 +12660,7 @@
             <a:fld id="{0DAF61AA-5A98-4049-A93E-477E5505141A}" type="datetimeFigureOut">
               <a:rPr lang="en-US" smtClean="0"/>
               <a:pPr/>
-              <a:t>10/4/22</a:t>
+              <a:t>10/5/22</a:t>
             </a:fld>
             <a:endParaRPr lang="en-US" dirty="0"/>
           </a:p>
@@ -20464,6 +20466,341 @@
 <file path=ppt/slides/slide3.xml><?xml version="1.0" encoding="utf-8"?>
 <p:sld xmlns:a="http://schemas.openxmlformats.org/drawingml/2006/main" xmlns:r="http://schemas.openxmlformats.org/officeDocument/2006/relationships" xmlns:p="http://schemas.openxmlformats.org/presentationml/2006/main">
   <p:cSld>
+    <p:spTree>
+      <p:nvGrpSpPr>
+        <p:cNvPr id="1" name=""/>
+        <p:cNvGrpSpPr/>
+        <p:nvPr/>
+      </p:nvGrpSpPr>
+      <p:grpSpPr>
+        <a:xfrm>
+          <a:off x="0" y="0"/>
+          <a:ext cx="0" cy="0"/>
+          <a:chOff x="0" y="0"/>
+          <a:chExt cx="0" cy="0"/>
+        </a:xfrm>
+      </p:grpSpPr>
+      <p:sp>
+        <p:nvSpPr>
+          <p:cNvPr id="2" name="Title 1">
+            <a:extLst>
+              <a:ext uri="{FF2B5EF4-FFF2-40B4-BE49-F238E27FC236}">
+                <a16:creationId xmlns:a16="http://schemas.microsoft.com/office/drawing/2014/main" id="{5138455A-CEAD-6CA0-7C13-A71E1503469C}"/>
+              </a:ext>
+            </a:extLst>
+          </p:cNvPr>
+          <p:cNvSpPr>
+            <a:spLocks noGrp="1"/>
+          </p:cNvSpPr>
+          <p:nvPr>
+            <p:ph type="title"/>
+          </p:nvPr>
+        </p:nvSpPr>
+        <p:spPr/>
+        <p:txBody>
+          <a:bodyPr>
+            <a:normAutofit/>
+          </a:bodyPr>
+          <a:lstStyle/>
+          <a:p>
+            <a:r>
+              <a:rPr lang="en-US" dirty="0"/>
+              <a:t>Problems</a:t>
+            </a:r>
+          </a:p>
+        </p:txBody>
+      </p:sp>
+      <p:sp>
+        <p:nvSpPr>
+          <p:cNvPr id="3" name="Content Placeholder 2">
+            <a:extLst>
+              <a:ext uri="{FF2B5EF4-FFF2-40B4-BE49-F238E27FC236}">
+                <a16:creationId xmlns:a16="http://schemas.microsoft.com/office/drawing/2014/main" id="{3A67D704-6B94-481F-18E1-5A74D1A73089}"/>
+              </a:ext>
+            </a:extLst>
+          </p:cNvPr>
+          <p:cNvSpPr>
+            <a:spLocks noGrp="1"/>
+          </p:cNvSpPr>
+          <p:nvPr>
+            <p:ph idx="1"/>
+          </p:nvPr>
+        </p:nvSpPr>
+        <p:spPr/>
+        <p:txBody>
+          <a:bodyPr>
+            <a:normAutofit fontScale="62500" lnSpcReduction="20000"/>
+          </a:bodyPr>
+          <a:lstStyle/>
+          <a:p>
+            <a:r>
+              <a:rPr lang="en-US" dirty="0"/>
+              <a:t> Whilst looking at last years implementation I noticed it uses md5 hashing</a:t>
+            </a:r>
+          </a:p>
+          <a:p>
+            <a:r>
+              <a:rPr lang="en-US" dirty="0"/>
+              <a:t> I noticed there is no string manipulation done to this before hand and no removal of function initializer.</a:t>
+            </a:r>
+          </a:p>
+          <a:p>
+            <a:r>
+              <a:rPr lang="en-US" dirty="0"/>
+              <a:t> why is this a problem</a:t>
+            </a:r>
+            <a:br>
+              <a:rPr lang="en-US" dirty="0"/>
+            </a:br>
+            <a:r>
+              <a:rPr lang="en-US" dirty="0"/>
+              <a:t>	()=&gt;</a:t>
+            </a:r>
+            <a:r>
+              <a:rPr lang="en-US" dirty="0" err="1"/>
+              <a:t>console.log</a:t>
+            </a:r>
+            <a:r>
+              <a:rPr lang="en-US" dirty="0"/>
+              <a:t>(“123”)	is identical to 	function(){</a:t>
+            </a:r>
+            <a:r>
+              <a:rPr lang="en-US" dirty="0" err="1"/>
+              <a:t>console.log</a:t>
+            </a:r>
+            <a:r>
+              <a:rPr lang="en-US" dirty="0"/>
+              <a:t>(‘123’)}</a:t>
+            </a:r>
+          </a:p>
+          <a:p>
+            <a:pPr marL="0" indent="0">
+              <a:buNone/>
+            </a:pPr>
+            <a:r>
+              <a:rPr lang="en-US" dirty="0"/>
+              <a:t>Other examples of this are “ ” is equal to ’ ’ is equal to ` ` so if somebody initializes </a:t>
+            </a:r>
+            <a:br>
+              <a:rPr lang="en-US" dirty="0"/>
+            </a:br>
+            <a:endParaRPr lang="en-US" dirty="0"/>
+          </a:p>
+          <a:p>
+            <a:pPr marL="0" indent="0">
+              <a:buNone/>
+            </a:pPr>
+            <a:r>
+              <a:rPr lang="en-US" dirty="0"/>
+              <a:t>Const </a:t>
+            </a:r>
+            <a:r>
+              <a:rPr lang="en-US" dirty="0" err="1"/>
+              <a:t>my_func</a:t>
+            </a:r>
+            <a:r>
+              <a:rPr lang="en-US" dirty="0"/>
+              <a:t> = () =&gt; </a:t>
+            </a:r>
+            <a:r>
+              <a:rPr lang="en-US" dirty="0" err="1"/>
+              <a:t>console.log</a:t>
+            </a:r>
+            <a:r>
+              <a:rPr lang="en-US" dirty="0"/>
+              <a:t>(“Hello”) // this is different in the eyes of md5 to</a:t>
+            </a:r>
+            <a:br>
+              <a:rPr lang="en-US" dirty="0"/>
+            </a:br>
+            <a:r>
+              <a:rPr lang="en-US" dirty="0"/>
+              <a:t>function </a:t>
+            </a:r>
+            <a:r>
+              <a:rPr lang="en-US" dirty="0" err="1"/>
+              <a:t>my_func</a:t>
+            </a:r>
+            <a:r>
+              <a:rPr lang="en-US" dirty="0"/>
+              <a:t>(){</a:t>
+            </a:r>
+            <a:r>
+              <a:rPr lang="en-US" dirty="0" err="1"/>
+              <a:t>console.log</a:t>
+            </a:r>
+            <a:r>
+              <a:rPr lang="en-US" dirty="0"/>
+              <a:t>(“Hello”) // which is different to</a:t>
+            </a:r>
+            <a:br>
+              <a:rPr lang="en-US" dirty="0"/>
+            </a:br>
+            <a:r>
+              <a:rPr lang="en-US" dirty="0"/>
+              <a:t>function </a:t>
+            </a:r>
+            <a:r>
+              <a:rPr lang="en-US" dirty="0" err="1"/>
+              <a:t>my_func</a:t>
+            </a:r>
+            <a:r>
+              <a:rPr lang="en-US" dirty="0"/>
+              <a:t>(){</a:t>
+            </a:r>
+            <a:br>
+              <a:rPr lang="en-US" dirty="0"/>
+            </a:br>
+            <a:r>
+              <a:rPr lang="en-US" dirty="0"/>
+              <a:t>	</a:t>
+            </a:r>
+            <a:r>
+              <a:rPr lang="en-US" dirty="0" err="1"/>
+              <a:t>console.log</a:t>
+            </a:r>
+            <a:r>
+              <a:rPr lang="en-US" dirty="0"/>
+              <a:t>(“Hello”)</a:t>
+            </a:r>
+            <a:br>
+              <a:rPr lang="en-US" dirty="0"/>
+            </a:br>
+            <a:r>
+              <a:rPr lang="en-US" dirty="0"/>
+              <a:t>}</a:t>
+            </a:r>
+            <a:br>
+              <a:rPr lang="en-US" dirty="0"/>
+            </a:br>
+            <a:br>
+              <a:rPr lang="en-US" dirty="0"/>
+            </a:br>
+            <a:r>
+              <a:rPr lang="en-US" dirty="0"/>
+              <a:t>even trailing commas would appear different.</a:t>
+            </a:r>
+          </a:p>
+        </p:txBody>
+      </p:sp>
+    </p:spTree>
+    <p:extLst>
+      <p:ext uri="{BB962C8B-B14F-4D97-AF65-F5344CB8AC3E}">
+        <p14:creationId xmlns:p14="http://schemas.microsoft.com/office/powerpoint/2010/main" val="2937836826"/>
+      </p:ext>
+    </p:extLst>
+  </p:cSld>
+  <p:clrMapOvr>
+    <a:masterClrMapping/>
+  </p:clrMapOvr>
+</p:sld>
+</file>
+
+<file path=ppt/slides/slide4.xml><?xml version="1.0" encoding="utf-8"?>
+<p:sld xmlns:a="http://schemas.openxmlformats.org/drawingml/2006/main" xmlns:r="http://schemas.openxmlformats.org/officeDocument/2006/relationships" xmlns:p="http://schemas.openxmlformats.org/presentationml/2006/main">
+  <p:cSld>
+    <p:spTree>
+      <p:nvGrpSpPr>
+        <p:cNvPr id="1" name=""/>
+        <p:cNvGrpSpPr/>
+        <p:nvPr/>
+      </p:nvGrpSpPr>
+      <p:grpSpPr>
+        <a:xfrm>
+          <a:off x="0" y="0"/>
+          <a:ext cx="0" cy="0"/>
+          <a:chOff x="0" y="0"/>
+          <a:chExt cx="0" cy="0"/>
+        </a:xfrm>
+      </p:grpSpPr>
+      <p:sp>
+        <p:nvSpPr>
+          <p:cNvPr id="2" name="Title 1">
+            <a:extLst>
+              <a:ext uri="{FF2B5EF4-FFF2-40B4-BE49-F238E27FC236}">
+                <a16:creationId xmlns:a16="http://schemas.microsoft.com/office/drawing/2014/main" id="{DE56EE6B-820D-75E1-3E8F-8E23B259FF4A}"/>
+              </a:ext>
+            </a:extLst>
+          </p:cNvPr>
+          <p:cNvSpPr>
+            <a:spLocks noGrp="1"/>
+          </p:cNvSpPr>
+          <p:nvPr>
+            <p:ph type="title"/>
+          </p:nvPr>
+        </p:nvSpPr>
+        <p:spPr/>
+        <p:txBody>
+          <a:bodyPr/>
+          <a:lstStyle/>
+          <a:p>
+            <a:r>
+              <a:rPr lang="en-US" dirty="0"/>
+              <a:t>How will I fix this?</a:t>
+            </a:r>
+          </a:p>
+        </p:txBody>
+      </p:sp>
+      <p:sp>
+        <p:nvSpPr>
+          <p:cNvPr id="3" name="Content Placeholder 2">
+            <a:extLst>
+              <a:ext uri="{FF2B5EF4-FFF2-40B4-BE49-F238E27FC236}">
+                <a16:creationId xmlns:a16="http://schemas.microsoft.com/office/drawing/2014/main" id="{A3AA4172-4F81-458D-A7E1-D72F86AF5998}"/>
+              </a:ext>
+            </a:extLst>
+          </p:cNvPr>
+          <p:cNvSpPr>
+            <a:spLocks noGrp="1"/>
+          </p:cNvSpPr>
+          <p:nvPr>
+            <p:ph idx="1"/>
+          </p:nvPr>
+        </p:nvSpPr>
+        <p:spPr/>
+        <p:txBody>
+          <a:bodyPr/>
+          <a:lstStyle/>
+          <a:p>
+            <a:r>
+              <a:rPr lang="en-US" dirty="0"/>
+              <a:t> I am going to investigate fully sanitizing these strings of code to remove \n, \t, spaces, all quotations.</a:t>
+            </a:r>
+          </a:p>
+          <a:p>
+            <a:r>
+              <a:rPr lang="en-US" dirty="0"/>
+              <a:t> A further problem I will encounter will be the difference between const x = () =&gt; {} and function x(){} and const x = function(){}</a:t>
+            </a:r>
+            <a:br>
+              <a:rPr lang="en-US" dirty="0"/>
+            </a:br>
+            <a:br>
+              <a:rPr lang="en-US" dirty="0"/>
+            </a:br>
+            <a:r>
+              <a:rPr lang="en-US" dirty="0"/>
+              <a:t>this will require further investigation to resolve.</a:t>
+            </a:r>
+          </a:p>
+        </p:txBody>
+      </p:sp>
+    </p:spTree>
+    <p:extLst>
+      <p:ext uri="{BB962C8B-B14F-4D97-AF65-F5344CB8AC3E}">
+        <p14:creationId xmlns:p14="http://schemas.microsoft.com/office/powerpoint/2010/main" val="480600574"/>
+      </p:ext>
+    </p:extLst>
+  </p:cSld>
+  <p:clrMapOvr>
+    <a:masterClrMapping/>
+  </p:clrMapOvr>
+</p:sld>
+</file>
+
+<file path=ppt/slides/slide5.xml><?xml version="1.0" encoding="utf-8"?>
+<p:sld xmlns:a="http://schemas.openxmlformats.org/drawingml/2006/main" xmlns:r="http://schemas.openxmlformats.org/officeDocument/2006/relationships" xmlns:p="http://schemas.openxmlformats.org/presentationml/2006/main">
+  <p:cSld>
     <p:bg>
       <p:bgPr>
         <a:solidFill>
@@ -25655,7 +25992,7 @@
             <p:ph idx="1"/>
             <p:extLst>
               <p:ext uri="{D42A27DB-BD31-4B8C-83A1-F6EECF244321}">
-                <p14:modId xmlns:p14="http://schemas.microsoft.com/office/powerpoint/2010/main" val="2060253586"/>
+                <p14:modId xmlns:p14="http://schemas.microsoft.com/office/powerpoint/2010/main" val="690150494"/>
               </p:ext>
             </p:extLst>
           </p:nvPr>
@@ -25683,7 +26020,7 @@
 </p:sld>
 </file>
 
-<file path=ppt/slides/slide4.xml><?xml version="1.0" encoding="utf-8"?>
+<file path=ppt/slides/slide6.xml><?xml version="1.0" encoding="utf-8"?>
 <p:sld xmlns:a="http://schemas.openxmlformats.org/drawingml/2006/main" xmlns:r="http://schemas.openxmlformats.org/officeDocument/2006/relationships" xmlns:p="http://schemas.openxmlformats.org/presentationml/2006/main">
   <p:cSld>
     <p:bg>
@@ -30901,7 +31238,7 @@
 </p:sld>
 </file>
 
-<file path=ppt/slides/slide5.xml><?xml version="1.0" encoding="utf-8"?>
+<file path=ppt/slides/slide7.xml><?xml version="1.0" encoding="utf-8"?>
 <p:sld xmlns:a="http://schemas.openxmlformats.org/drawingml/2006/main" xmlns:r="http://schemas.openxmlformats.org/officeDocument/2006/relationships" xmlns:p="http://schemas.openxmlformats.org/presentationml/2006/main">
   <p:cSld>
     <p:spTree>
@@ -31163,7 +31500,7 @@
 </p:sld>
 </file>
 
-<file path=ppt/slides/slide6.xml><?xml version="1.0" encoding="utf-8"?>
+<file path=ppt/slides/slide8.xml><?xml version="1.0" encoding="utf-8"?>
 <p:sld xmlns:a="http://schemas.openxmlformats.org/drawingml/2006/main" xmlns:r="http://schemas.openxmlformats.org/officeDocument/2006/relationships" xmlns:p="http://schemas.openxmlformats.org/presentationml/2006/main">
   <p:cSld>
     <p:spTree>
@@ -31280,7 +31617,7 @@
 </p:sld>
 </file>
 
-<file path=ppt/slides/slide7.xml><?xml version="1.0" encoding="utf-8"?>
+<file path=ppt/slides/slide9.xml><?xml version="1.0" encoding="utf-8"?>
 <p:sld xmlns:a="http://schemas.openxmlformats.org/drawingml/2006/main" xmlns:r="http://schemas.openxmlformats.org/officeDocument/2006/relationships" xmlns:p="http://schemas.openxmlformats.org/presentationml/2006/main">
   <p:cSld>
     <p:spTree>
